--- a/iOS动态框架.pptx
+++ b/iOS动态框架.pptx
@@ -143,7 +143,7 @@
   </p:defaultTextStyle>
   <p:extLst>
     <p:ext uri="{EFAFB233-063F-42B5-8137-9DF3F51BA10A}">
-      <p15:sldGuideLst xmlns:p15="http://schemas.microsoft.com/office/powerpoint/2012/main" xmlns="">
+      <p15:sldGuideLst xmlns="" xmlns:p15="http://schemas.microsoft.com/office/powerpoint/2012/main">
         <p15:guide id="1" orient="horz" pos="3241">
           <p15:clr>
             <a:srgbClr val="A4A3A4"/>
@@ -157,7 +157,7 @@
       </p15:sldGuideLst>
     </p:ext>
     <p:ext uri="{2D200454-40CA-4A62-9FC3-DE9A4176ACB9}">
-      <p15:notesGuideLst xmlns:p15="http://schemas.microsoft.com/office/powerpoint/2012/main" xmlns="">
+      <p15:notesGuideLst xmlns="" xmlns:p15="http://schemas.microsoft.com/office/powerpoint/2012/main">
         <p15:guide id="1" orient="horz" pos="2880">
           <p15:clr>
             <a:srgbClr val="A4A3A4"/>
@@ -7436,20 +7436,6 @@
           <a:p>
             <a:pPr algn="ctr"/>
             <a:r>
-              <a:rPr lang="zh-CN" altLang="en-US" sz="3000" b="1" dirty="0" smtClean="0">
-                <a:solidFill>
-                  <a:schemeClr val="tx1">
-                    <a:lumMod val="65000"/>
-                    <a:lumOff val="35000"/>
-                  </a:schemeClr>
-                </a:solidFill>
-                <a:latin typeface="Caviar Dreams" pitchFamily="34" charset="-94"/>
-                <a:ea typeface="Open Sans" pitchFamily="34" charset="0"/>
-                <a:cs typeface="Open Sans" pitchFamily="34" charset="0"/>
-              </a:rPr>
-              <a:t>郭晓铭</a:t>
-            </a:r>
-            <a:r>
               <a:rPr lang="en-US" altLang="zh-CN" sz="3000" b="1" dirty="0" smtClean="0">
                 <a:solidFill>
                   <a:schemeClr val="tx1">
@@ -7461,7 +7447,35 @@
                 <a:ea typeface="Open Sans" pitchFamily="34" charset="0"/>
                 <a:cs typeface="Open Sans" pitchFamily="34" charset="0"/>
               </a:rPr>
-              <a:t> 2015.4</a:t>
+              <a:t>Mindy</a:t>
+            </a:r>
+            <a:r>
+              <a:rPr lang="en-US" altLang="zh-CN" sz="3000" b="1" dirty="0" smtClean="0">
+                <a:solidFill>
+                  <a:schemeClr val="tx1">
+                    <a:lumMod val="65000"/>
+                    <a:lumOff val="35000"/>
+                  </a:schemeClr>
+                </a:solidFill>
+                <a:latin typeface="Caviar Dreams" pitchFamily="34" charset="-94"/>
+                <a:ea typeface="Open Sans" pitchFamily="34" charset="0"/>
+                <a:cs typeface="Open Sans" pitchFamily="34" charset="0"/>
+              </a:rPr>
+              <a:t> </a:t>
+            </a:r>
+            <a:r>
+              <a:rPr lang="en-US" altLang="zh-CN" sz="3000" b="1" dirty="0" smtClean="0">
+                <a:solidFill>
+                  <a:schemeClr val="tx1">
+                    <a:lumMod val="65000"/>
+                    <a:lumOff val="35000"/>
+                  </a:schemeClr>
+                </a:solidFill>
+                <a:latin typeface="Caviar Dreams" pitchFamily="34" charset="-94"/>
+                <a:ea typeface="Open Sans" pitchFamily="34" charset="0"/>
+                <a:cs typeface="Open Sans" pitchFamily="34" charset="0"/>
+              </a:rPr>
+              <a:t>2015.4</a:t>
             </a:r>
             <a:endParaRPr lang="tr-TR" sz="3000" b="1" dirty="0">
               <a:solidFill>
